--- a/US_H1B_Visa_Petition.pptx
+++ b/US_H1B_Visa_Petition.pptx
@@ -5,7 +5,7 @@
     <p:sldMasterId id="2147483648" r:id="rId1"/>
   </p:sldMasterIdLst>
   <p:notesMasterIdLst>
-    <p:notesMasterId r:id="rId10"/>
+    <p:notesMasterId r:id="rId11"/>
   </p:notesMasterIdLst>
   <p:sldIdLst>
     <p:sldId id="294" r:id="rId2"/>
@@ -15,7 +15,8 @@
     <p:sldId id="260" r:id="rId6"/>
     <p:sldId id="269" r:id="rId7"/>
     <p:sldId id="291" r:id="rId8"/>
-    <p:sldId id="290" r:id="rId9"/>
+    <p:sldId id="295" r:id="rId9"/>
+    <p:sldId id="290" r:id="rId10"/>
   </p:sldIdLst>
   <p:sldSz cx="13004800" cy="9753600"/>
   <p:notesSz cx="6858000" cy="9144000"/>
@@ -3293,7 +3294,7 @@
         <p:spPr bwMode="auto">
           <a:xfrm>
             <a:off x="558799" y="762000"/>
-            <a:ext cx="11887201" cy="3810000"/>
+            <a:ext cx="11887201" cy="5029200"/>
           </a:xfrm>
           <a:prstGeom prst="rect">
             <a:avLst/>
@@ -3415,15 +3416,7 @@
                   <a:schemeClr val="bg1"/>
                 </a:solidFill>
               </a:rPr>
-              <a:t>"</a:t>
-            </a:r>
-            <a:r>
-              <a:rPr lang="en-US" dirty="0" smtClean="0">
-                <a:solidFill>
-                  <a:schemeClr val="bg1"/>
-                </a:solidFill>
-              </a:rPr>
-              <a:t>US H1B Visa dataset has extracted from US Department of </a:t>
+              <a:t>"US H1B Visa dataset has extracted from US Department of </a:t>
             </a:r>
             <a:r>
               <a:rPr lang="en-US" dirty="0" err="1" smtClean="0">
@@ -3439,23 +3432,7 @@
                   <a:schemeClr val="bg1"/>
                 </a:solidFill>
               </a:rPr>
-              <a:t> Employment site. This public disclosure file contains 2009 year data about the US </a:t>
-            </a:r>
-            <a:r>
-              <a:rPr lang="en-US" dirty="0" smtClean="0">
-                <a:solidFill>
-                  <a:schemeClr val="bg1"/>
-                </a:solidFill>
-              </a:rPr>
-              <a:t>employers </a:t>
-            </a:r>
-            <a:r>
-              <a:rPr lang="en-US" dirty="0" smtClean="0">
-                <a:solidFill>
-                  <a:schemeClr val="bg1"/>
-                </a:solidFill>
-              </a:rPr>
-              <a:t>who employed foreign workers and also the details related to their H1B petition"</a:t>
+              <a:t> Employment site. This public disclosure file contains 2009 year data about the US employers who employed foreign workers and also the details related to their H1B petition"</a:t>
             </a:r>
             <a:endParaRPr dirty="0">
               <a:solidFill>
@@ -3537,15 +3514,7 @@
           <a:p>
             <a:r>
               <a:rPr lang="en-US" sz="4400" dirty="0" smtClean="0"/>
-              <a:t>Visa applied </a:t>
-            </a:r>
-            <a:r>
-              <a:rPr lang="en-US" sz="4400" dirty="0" smtClean="0"/>
-              <a:t>by each </a:t>
-            </a:r>
-            <a:r>
-              <a:rPr lang="en-US" sz="4400" dirty="0" smtClean="0"/>
-              <a:t>H1B Category</a:t>
+              <a:t>Visa applied by each H1B Category</a:t>
             </a:r>
             <a:endParaRPr sz="4400" dirty="0"/>
           </a:p>
@@ -3665,41 +3634,13 @@
           <a:p>
             <a:r>
               <a:rPr lang="pt-BR" dirty="0" smtClean="0"/>
-              <a:t>H1B </a:t>
-            </a:r>
+              <a:t>H1B 97% E3 Australian 1.8% </a:t>
+            </a:r>
+          </a:p>
+          <a:p>
             <a:r>
               <a:rPr lang="pt-BR" dirty="0" smtClean="0"/>
-              <a:t>97% </a:t>
-            </a:r>
-            <a:r>
-              <a:rPr lang="pt-BR" dirty="0" smtClean="0"/>
-              <a:t>E3 Australian </a:t>
-            </a:r>
-            <a:r>
-              <a:rPr lang="pt-BR" dirty="0" smtClean="0"/>
-              <a:t>1.8% </a:t>
-            </a:r>
-          </a:p>
-          <a:p>
-            <a:r>
-              <a:rPr lang="pt-BR" dirty="0" smtClean="0"/>
-              <a:t>H1B1 </a:t>
-            </a:r>
-            <a:r>
-              <a:rPr lang="pt-BR" dirty="0" smtClean="0"/>
-              <a:t>Singapore </a:t>
-            </a:r>
-            <a:r>
-              <a:rPr lang="pt-BR" dirty="0" smtClean="0"/>
-              <a:t>0.306% </a:t>
-            </a:r>
-            <a:r>
-              <a:rPr lang="pt-BR" dirty="0" smtClean="0"/>
-              <a:t>H1B1 Chile </a:t>
-            </a:r>
-            <a:r>
-              <a:rPr lang="pt-BR" dirty="0" smtClean="0"/>
-              <a:t>0.25%</a:t>
+              <a:t>H1B1 Singapore 0.306% H1B1 Chile 0.25%</a:t>
             </a:r>
             <a:endParaRPr kumimoji="0" lang="en-US" sz="2400" b="0" i="0" u="none" strike="noStrike" cap="none" spc="0" normalizeH="0" baseline="0" dirty="0">
               <a:ln>
@@ -3815,23 +3756,7 @@
             <a:pPr algn="just"/>
             <a:r>
               <a:rPr lang="en-US" dirty="0" smtClean="0"/>
-              <a:t>It can be </a:t>
-            </a:r>
-            <a:r>
-              <a:rPr lang="en-US" dirty="0" smtClean="0"/>
-              <a:t>inferred </a:t>
-            </a:r>
-            <a:r>
-              <a:rPr lang="en-US" dirty="0" smtClean="0"/>
-              <a:t>from the </a:t>
-            </a:r>
-            <a:r>
-              <a:rPr lang="en-US" dirty="0" smtClean="0"/>
-              <a:t>plot </a:t>
-            </a:r>
-            <a:r>
-              <a:rPr lang="en-US" dirty="0" smtClean="0"/>
-              <a:t>that the </a:t>
+              <a:t>It can be inferred from the plot that the </a:t>
             </a:r>
             <a:r>
               <a:rPr lang="en-US" b="1" dirty="0" smtClean="0"/>
@@ -3839,19 +3764,7 @@
             </a:r>
             <a:r>
               <a:rPr lang="en-US" dirty="0" smtClean="0"/>
-              <a:t> of Visa are applied for H1B. Other visa </a:t>
-            </a:r>
-            <a:r>
-              <a:rPr lang="en-US" dirty="0" smtClean="0"/>
-              <a:t>categories </a:t>
-            </a:r>
-            <a:r>
-              <a:rPr lang="en-US" dirty="0" smtClean="0"/>
-              <a:t>are less than 2</a:t>
-            </a:r>
-            <a:r>
-              <a:rPr lang="en-US" dirty="0" smtClean="0"/>
-              <a:t>%. It indicates that most of the visa are applied for H1B</a:t>
+              <a:t> of Visa are applied for H1B. Other visa categories are less than 2%. It indicates that most of the visa are applied for H1B</a:t>
             </a:r>
             <a:endParaRPr kumimoji="0" lang="en-US" sz="2400" b="0" i="0" u="none" strike="noStrike" cap="none" spc="0" normalizeH="0" baseline="0" dirty="0">
               <a:ln>
@@ -3942,19 +3855,7 @@
           <a:p>
             <a:r>
               <a:rPr lang="en-US" sz="4400" b="1" dirty="0" smtClean="0"/>
-              <a:t>Top 20 </a:t>
-            </a:r>
-            <a:r>
-              <a:rPr lang="en-US" sz="4400" b="1" dirty="0" smtClean="0"/>
-              <a:t>Employer </a:t>
-            </a:r>
-            <a:r>
-              <a:rPr lang="en-US" sz="4400" b="1" dirty="0" smtClean="0"/>
-              <a:t>applied for H1B </a:t>
-            </a:r>
-            <a:r>
-              <a:rPr lang="en-US" sz="4400" b="1" dirty="0" smtClean="0"/>
-              <a:t>Visa</a:t>
+              <a:t>Top 20 Employer applied for H1B Visa</a:t>
             </a:r>
             <a:endParaRPr sz="4400" dirty="0"/>
           </a:p>
@@ -4041,7 +3942,7 @@
         <p:spPr>
           <a:xfrm>
             <a:off x="6502400" y="4038600"/>
-            <a:ext cx="6096000" cy="2318583"/>
+            <a:ext cx="6096000" cy="2687915"/>
           </a:xfrm>
           <a:prstGeom prst="rect">
             <a:avLst/>
@@ -4107,22 +4008,42 @@
             </a:r>
           </a:p>
           <a:p>
+            <a:pPr marL="0" marR="0" indent="0" algn="ctr" defTabSz="584200" rtl="0" fontAlgn="auto" latinLnBrk="0" hangingPunct="0">
+              <a:lnSpc>
+                <a:spcPct val="100000"/>
+              </a:lnSpc>
+              <a:spcBef>
+                <a:spcPts val="0"/>
+              </a:spcBef>
+              <a:spcAft>
+                <a:spcPts val="0"/>
+              </a:spcAft>
+              <a:buClrTx/>
+              <a:buSzTx/>
+              <a:buFontTx/>
+              <a:buNone/>
+              <a:tabLst/>
+            </a:pPr>
+            <a:endParaRPr kumimoji="0" lang="en-US" sz="2400" b="1" i="0" u="none" strike="noStrike" cap="none" spc="0" normalizeH="0" baseline="0" dirty="0" smtClean="0">
+              <a:ln>
+                <a:noFill/>
+              </a:ln>
+              <a:solidFill>
+                <a:srgbClr val="414141"/>
+              </a:solidFill>
+              <a:effectLst/>
+              <a:uFillTx/>
+              <a:latin typeface="Palatino"/>
+              <a:ea typeface="Palatino"/>
+              <a:cs typeface="Palatino"/>
+              <a:sym typeface="Palatino"/>
+            </a:endParaRPr>
+          </a:p>
+          <a:p>
             <a:pPr algn="just"/>
             <a:r>
               <a:rPr lang="en-US" dirty="0" smtClean="0"/>
-              <a:t>Microsoft is the top company applied for </a:t>
-            </a:r>
-            <a:r>
-              <a:rPr lang="en-US" dirty="0" smtClean="0"/>
-              <a:t>H1B </a:t>
-            </a:r>
-            <a:r>
-              <a:rPr lang="en-US" dirty="0" smtClean="0"/>
-              <a:t>Visa, followed by CTS, PATNI, IBM &amp; Infosys</a:t>
-            </a:r>
-            <a:r>
-              <a:rPr lang="en-US" dirty="0" smtClean="0"/>
-              <a:t>. As opposed to other industry, IT companies are the topper in applying for the visa</a:t>
+              <a:t>Microsoft is the top company applied for H1B Visa, followed by CTS, PATNI, IBM &amp; Infosys. As opposed to other industry, IT companies are the topper in applying for the visa</a:t>
             </a:r>
             <a:endParaRPr kumimoji="0" lang="en-US" sz="2400" b="1" i="0" u="none" strike="noStrike" cap="none" spc="0" normalizeH="0" baseline="0" dirty="0">
               <a:ln>
@@ -4213,11 +4134,7 @@
           <a:p>
             <a:r>
               <a:rPr lang="en-US" b="1" dirty="0" smtClean="0"/>
-              <a:t>Top Jobs applied for H1B </a:t>
-            </a:r>
-            <a:r>
-              <a:rPr lang="en-US" b="1" dirty="0" smtClean="0"/>
-              <a:t>Visa</a:t>
+              <a:t>Top Jobs applied for H1B Visa</a:t>
             </a:r>
             <a:endParaRPr dirty="0"/>
           </a:p>
@@ -4366,31 +4283,14 @@
             <a:pPr algn="just"/>
             <a:r>
               <a:rPr lang="en-US" dirty="0" smtClean="0"/>
-              <a:t>It has been observed that Programmer </a:t>
-            </a:r>
+              <a:t>It has been observed that Programmer Analyst job is the most applied job for the H1B visa, followed by </a:t>
+            </a:r>
+          </a:p>
+          <a:p>
+            <a:pPr algn="just"/>
             <a:r>
               <a:rPr lang="en-US" dirty="0" smtClean="0"/>
-              <a:t>Analyst job is the most applied job </a:t>
-            </a:r>
-            <a:r>
-              <a:rPr lang="en-US" dirty="0" smtClean="0"/>
-              <a:t>for the H1B visa, followed by </a:t>
-            </a:r>
-            <a:endParaRPr lang="en-US" dirty="0" smtClean="0"/>
-          </a:p>
-          <a:p>
-            <a:pPr algn="just"/>
-            <a:r>
-              <a:rPr lang="en-US" dirty="0" smtClean="0"/>
-              <a:t>Software </a:t>
-            </a:r>
-            <a:r>
-              <a:rPr lang="en-US" dirty="0" smtClean="0"/>
-              <a:t>Engineer, Computer Programmer, System Analyst, Assistant Professor. It clearly indicates that more jobs demand for Software industry</a:t>
-            </a:r>
-            <a:r>
-              <a:rPr lang="en-US" dirty="0" smtClean="0"/>
-              <a:t>.</a:t>
+              <a:t>Software Engineer, Computer Programmer, System Analyst, Assistant Professor. It clearly indicates that more jobs demand for Software industry.</a:t>
             </a:r>
           </a:p>
         </p:txBody>
@@ -4464,39 +4364,6 @@
           </a:p>
         </p:txBody>
       </p:sp>
-      <p:pic>
-        <p:nvPicPr>
-          <p:cNvPr id="6146" name="Picture 2"/>
-          <p:cNvPicPr>
-            <a:picLocks noChangeAspect="1" noChangeArrowheads="1"/>
-          </p:cNvPicPr>
-          <p:nvPr/>
-        </p:nvPicPr>
-        <p:blipFill>
-          <a:blip r:embed="rId2"/>
-          <a:srcRect/>
-          <a:stretch>
-            <a:fillRect/>
-          </a:stretch>
-        </p:blipFill>
-        <p:spPr bwMode="auto">
-          <a:xfrm>
-            <a:off x="558800" y="2362199"/>
-            <a:ext cx="6248400" cy="6524303"/>
-          </a:xfrm>
-          <a:prstGeom prst="rect">
-            <a:avLst/>
-          </a:prstGeom>
-          <a:noFill/>
-          <a:ln w="9525">
-            <a:noFill/>
-            <a:miter lim="800000"/>
-            <a:headEnd/>
-            <a:tailEnd/>
-          </a:ln>
-          <a:effectLst/>
-        </p:spPr>
-      </p:pic>
       <p:sp>
         <p:nvSpPr>
           <p:cNvPr id="7" name="TextBox 6"/>
@@ -4594,19 +4461,7 @@
             <a:pPr algn="just"/>
             <a:r>
               <a:rPr lang="en-US" dirty="0" smtClean="0"/>
-              <a:t>System Analyst, Research Worker are </a:t>
-            </a:r>
-            <a:r>
-              <a:rPr lang="en-US" dirty="0" smtClean="0"/>
-              <a:t>the top </a:t>
-            </a:r>
-            <a:r>
-              <a:rPr lang="en-US" dirty="0" smtClean="0"/>
-              <a:t>most paid job in US. Followed by Sr. Applications Engineer, Sr. Software Engineer, Computer Support Specialist</a:t>
-            </a:r>
-            <a:r>
-              <a:rPr lang="en-US" dirty="0" smtClean="0"/>
-              <a:t>.</a:t>
+              <a:t>System Analyst, Research Worker are the top most paid job in US. Followed by Sr. Applications Engineer, Sr. Software Engineer, Computer Support Specialist.</a:t>
             </a:r>
             <a:endParaRPr kumimoji="0" lang="en-US" sz="2400" b="0" i="0" u="none" strike="noStrike" cap="none" spc="0" normalizeH="0" baseline="0" dirty="0">
               <a:ln>
@@ -4625,6 +4480,39 @@
           </a:p>
         </p:txBody>
       </p:sp>
+      <p:pic>
+        <p:nvPicPr>
+          <p:cNvPr id="1026" name="Picture 2"/>
+          <p:cNvPicPr>
+            <a:picLocks noChangeAspect="1" noChangeArrowheads="1"/>
+          </p:cNvPicPr>
+          <p:nvPr/>
+        </p:nvPicPr>
+        <p:blipFill>
+          <a:blip r:embed="rId2"/>
+          <a:srcRect/>
+          <a:stretch>
+            <a:fillRect/>
+          </a:stretch>
+        </p:blipFill>
+        <p:spPr bwMode="auto">
+          <a:xfrm>
+            <a:off x="558800" y="2286000"/>
+            <a:ext cx="6324600" cy="7365749"/>
+          </a:xfrm>
+          <a:prstGeom prst="rect">
+            <a:avLst/>
+          </a:prstGeom>
+          <a:noFill/>
+          <a:ln w="9525">
+            <a:noFill/>
+            <a:miter lim="800000"/>
+            <a:headEnd/>
+            <a:tailEnd/>
+          </a:ln>
+          <a:effectLst/>
+        </p:spPr>
+      </p:pic>
     </p:spTree>
   </p:cSld>
   <p:clrMapOvr>
@@ -4826,19 +4714,7 @@
             <a:pPr algn="just"/>
             <a:r>
               <a:rPr lang="en-US" dirty="0" smtClean="0"/>
-              <a:t>Rejected Visas are in H1B Visa </a:t>
-            </a:r>
-            <a:r>
-              <a:rPr lang="en-US" dirty="0" smtClean="0"/>
-              <a:t>category, </a:t>
-            </a:r>
-            <a:r>
-              <a:rPr lang="en-US" dirty="0" smtClean="0"/>
-              <a:t>other visa types such as Australian; H-1B1 Chile, H-1B1 Singapore have no rejection</a:t>
-            </a:r>
-            <a:r>
-              <a:rPr lang="en-US" dirty="0" smtClean="0"/>
-              <a:t>. Less than 1% of visa has been rejected.</a:t>
+              <a:t>Rejected Visas are in H1B Visa category, other visa types such as Australian; H-1B1 Chile, H-1B1 Singapore have no rejection. Less than 1% of visa has been rejected.</a:t>
             </a:r>
             <a:endParaRPr kumimoji="0" lang="en-US" sz="2400" b="0" i="0" u="none" strike="noStrike" cap="none" spc="0" normalizeH="0" baseline="0" dirty="0">
               <a:ln>
@@ -4872,6 +4748,260 @@
 </file>
 
 <file path=ppt/slides/slide8.xml><?xml version="1.0" encoding="utf-8"?>
+<p:sld xmlns:a="http://schemas.openxmlformats.org/drawingml/2006/main" xmlns:r="http://schemas.openxmlformats.org/officeDocument/2006/relationships" xmlns:p="http://schemas.openxmlformats.org/presentationml/2006/main">
+  <p:cSld>
+    <p:spTree>
+      <p:nvGrpSpPr>
+        <p:cNvPr id="1" name=""/>
+        <p:cNvGrpSpPr/>
+        <p:nvPr/>
+      </p:nvGrpSpPr>
+      <p:grpSpPr>
+        <a:xfrm>
+          <a:off x="0" y="0"/>
+          <a:ext cx="0" cy="0"/>
+          <a:chOff x="0" y="0"/>
+          <a:chExt cx="0" cy="0"/>
+        </a:xfrm>
+      </p:grpSpPr>
+      <p:sp>
+        <p:nvSpPr>
+          <p:cNvPr id="188" name="Marketing Objective"/>
+          <p:cNvSpPr txBox="1">
+            <a:spLocks noGrp="1"/>
+          </p:cNvSpPr>
+          <p:nvPr>
+            <p:ph type="title"/>
+          </p:nvPr>
+        </p:nvSpPr>
+        <p:spPr>
+          <a:prstGeom prst="rect">
+            <a:avLst/>
+          </a:prstGeom>
+        </p:spPr>
+        <p:txBody>
+          <a:bodyPr>
+            <a:normAutofit/>
+          </a:bodyPr>
+          <a:lstStyle>
+            <a:lvl1pPr>
+              <a:defRPr>
+                <a:solidFill>
+                  <a:schemeClr val="accent6">
+                    <a:hueOff val="36663"/>
+                    <a:satOff val="1899"/>
+                    <a:lumOff val="-23748"/>
+                  </a:schemeClr>
+                </a:solidFill>
+                <a:latin typeface="Arial"/>
+                <a:ea typeface="Arial"/>
+                <a:cs typeface="Arial"/>
+                <a:sym typeface="Arial"/>
+              </a:defRPr>
+            </a:lvl1pPr>
+          </a:lstStyle>
+          <a:p>
+            <a:r>
+              <a:rPr lang="en-US" sz="4400" b="1" dirty="0" smtClean="0"/>
+              <a:t>Employee Preferred City</a:t>
+            </a:r>
+            <a:endParaRPr lang="en-US" sz="4400" b="1" dirty="0"/>
+          </a:p>
+        </p:txBody>
+      </p:sp>
+      <p:sp>
+        <p:nvSpPr>
+          <p:cNvPr id="6" name="TextBox 5"/>
+          <p:cNvSpPr txBox="1"/>
+          <p:nvPr/>
+        </p:nvSpPr>
+        <p:spPr>
+          <a:xfrm>
+            <a:off x="8636000" y="3581400"/>
+            <a:ext cx="4038600" cy="4903907"/>
+          </a:xfrm>
+          <a:prstGeom prst="rect">
+            <a:avLst/>
+          </a:prstGeom>
+          <a:noFill/>
+          <a:ln w="12700" cap="flat">
+            <a:noFill/>
+            <a:miter lim="400000"/>
+          </a:ln>
+          <a:effectLst/>
+          <a:sp3d/>
+        </p:spPr>
+        <p:style>
+          <a:lnRef idx="0">
+            <a:scrgbClr r="0" g="0" b="0"/>
+          </a:lnRef>
+          <a:fillRef idx="0">
+            <a:scrgbClr r="0" g="0" b="0"/>
+          </a:fillRef>
+          <a:effectRef idx="0">
+            <a:scrgbClr r="0" g="0" b="0"/>
+          </a:effectRef>
+          <a:fontRef idx="none"/>
+        </p:style>
+        <p:txBody>
+          <a:bodyPr rot="0" spcFirstLastPara="1" vertOverflow="overflow" horzOverflow="overflow" vert="horz" wrap="square" lIns="50800" tIns="50800" rIns="50800" bIns="50800" numCol="1" spcCol="38100" rtlCol="0" anchor="ctr">
+            <a:spAutoFit/>
+          </a:bodyPr>
+          <a:lstStyle/>
+          <a:p>
+            <a:pPr marL="0" marR="0" indent="0" algn="ctr" defTabSz="584200" rtl="0" fontAlgn="auto" latinLnBrk="0" hangingPunct="0">
+              <a:lnSpc>
+                <a:spcPct val="100000"/>
+              </a:lnSpc>
+              <a:spcBef>
+                <a:spcPts val="0"/>
+              </a:spcBef>
+              <a:spcAft>
+                <a:spcPts val="0"/>
+              </a:spcAft>
+              <a:buClrTx/>
+              <a:buSzTx/>
+              <a:buFontTx/>
+              <a:buNone/>
+              <a:tabLst/>
+            </a:pPr>
+            <a:r>
+              <a:rPr kumimoji="0" lang="en-US" sz="2400" b="0" i="0" u="none" strike="noStrike" cap="none" spc="0" normalizeH="0" baseline="0" dirty="0" smtClean="0">
+                <a:ln>
+                  <a:noFill/>
+                </a:ln>
+                <a:solidFill>
+                  <a:srgbClr val="414141"/>
+                </a:solidFill>
+                <a:effectLst/>
+                <a:uFillTx/>
+                <a:latin typeface="Palatino"/>
+                <a:ea typeface="Palatino"/>
+                <a:cs typeface="Palatino"/>
+                <a:sym typeface="Palatino"/>
+              </a:rPr>
+              <a:t>Observation</a:t>
+            </a:r>
+          </a:p>
+          <a:p>
+            <a:pPr marL="0" marR="0" indent="0" algn="ctr" defTabSz="584200" rtl="0" fontAlgn="auto" latinLnBrk="0" hangingPunct="0">
+              <a:lnSpc>
+                <a:spcPct val="100000"/>
+              </a:lnSpc>
+              <a:spcBef>
+                <a:spcPts val="0"/>
+              </a:spcBef>
+              <a:spcAft>
+                <a:spcPts val="0"/>
+              </a:spcAft>
+              <a:buClrTx/>
+              <a:buSzTx/>
+              <a:buFontTx/>
+              <a:buNone/>
+              <a:tabLst/>
+            </a:pPr>
+            <a:endParaRPr kumimoji="0" lang="en-US" sz="2400" b="0" i="0" u="none" strike="noStrike" cap="none" spc="0" normalizeH="0" baseline="0" dirty="0" smtClean="0">
+              <a:ln>
+                <a:noFill/>
+              </a:ln>
+              <a:solidFill>
+                <a:srgbClr val="414141"/>
+              </a:solidFill>
+              <a:effectLst/>
+              <a:uFillTx/>
+              <a:latin typeface="Palatino"/>
+              <a:ea typeface="Palatino"/>
+              <a:cs typeface="Palatino"/>
+              <a:sym typeface="Palatino"/>
+            </a:endParaRPr>
+          </a:p>
+          <a:p>
+            <a:pPr algn="just"/>
+            <a:r>
+              <a:rPr lang="en-US" dirty="0" smtClean="0"/>
+              <a:t>Most of the workers (around </a:t>
+            </a:r>
+            <a:r>
+              <a:rPr lang="en-US" b="1" dirty="0" smtClean="0"/>
+              <a:t>50%</a:t>
+            </a:r>
+            <a:r>
+              <a:rPr lang="en-US" dirty="0" smtClean="0"/>
+              <a:t>) prefers to work in </a:t>
+            </a:r>
+            <a:r>
+              <a:rPr lang="en-US" b="1" dirty="0" smtClean="0"/>
+              <a:t>New York</a:t>
+            </a:r>
+            <a:r>
+              <a:rPr lang="en-US" dirty="0" smtClean="0"/>
+              <a:t> city.</a:t>
+            </a:r>
+          </a:p>
+          <a:p>
+            <a:pPr algn="just"/>
+            <a:r>
+              <a:rPr lang="en-US" dirty="0" smtClean="0"/>
+              <a:t>Next 50% of the people prefers the below cities: Houston (18%), Chicago (12%), Redmond (11%) &amp; Atlanta (10%)</a:t>
+            </a:r>
+          </a:p>
+          <a:p>
+            <a:pPr algn="just"/>
+            <a:r>
+              <a:rPr lang="en-US" dirty="0" smtClean="0"/>
+              <a:t>Overall, New York stands in top, while comparing to other cites</a:t>
+            </a:r>
+          </a:p>
+        </p:txBody>
+      </p:sp>
+      <p:pic>
+        <p:nvPicPr>
+          <p:cNvPr id="2050" name="Picture 2"/>
+          <p:cNvPicPr>
+            <a:picLocks noChangeAspect="1" noChangeArrowheads="1"/>
+          </p:cNvPicPr>
+          <p:nvPr/>
+        </p:nvPicPr>
+        <p:blipFill>
+          <a:blip r:embed="rId2"/>
+          <a:srcRect/>
+          <a:stretch>
+            <a:fillRect/>
+          </a:stretch>
+        </p:blipFill>
+        <p:spPr bwMode="auto">
+          <a:xfrm>
+            <a:off x="558800" y="2438400"/>
+            <a:ext cx="7844992" cy="6400800"/>
+          </a:xfrm>
+          <a:prstGeom prst="rect">
+            <a:avLst/>
+          </a:prstGeom>
+          <a:noFill/>
+          <a:ln w="9525">
+            <a:noFill/>
+            <a:miter lim="800000"/>
+            <a:headEnd/>
+            <a:tailEnd/>
+          </a:ln>
+          <a:effectLst/>
+        </p:spPr>
+      </p:pic>
+    </p:spTree>
+    <p:extLst>
+      <p:ext uri="{BB962C8B-B14F-4D97-AF65-F5344CB8AC3E}">
+        <p14:creationId xmlns:p14="http://schemas.microsoft.com/office/powerpoint/2010/main" xmlns="" val="2849377936"/>
+      </p:ext>
+    </p:extLst>
+  </p:cSld>
+  <p:clrMapOvr>
+    <a:masterClrMapping/>
+  </p:clrMapOvr>
+  <p:transition spd="med"/>
+</p:sld>
+</file>
+
+<file path=ppt/slides/slide9.xml><?xml version="1.0" encoding="utf-8"?>
 <p:sld xmlns:a="http://schemas.openxmlformats.org/drawingml/2006/main" xmlns:r="http://schemas.openxmlformats.org/officeDocument/2006/relationships" xmlns:p="http://schemas.openxmlformats.org/presentationml/2006/main">
   <p:cSld>
     <p:spTree>
@@ -4943,15 +5073,17 @@
         </p:nvSpPr>
         <p:spPr>
           <a:xfrm>
-            <a:off x="508000" y="2178050"/>
-            <a:ext cx="11988800" cy="6096000"/>
+            <a:off x="508000" y="2209793"/>
+            <a:ext cx="11988800" cy="6369050"/>
           </a:xfrm>
           <a:prstGeom prst="rect">
             <a:avLst/>
           </a:prstGeom>
         </p:spPr>
         <p:txBody>
-          <a:bodyPr/>
+          <a:bodyPr>
+            <a:normAutofit/>
+          </a:bodyPr>
           <a:lstStyle>
             <a:lvl1pPr>
               <a:defRPr>
@@ -4965,75 +5097,80 @@
           <a:p>
             <a:r>
               <a:rPr lang="en-US" sz="2400" dirty="0" smtClean="0"/>
-              <a:t>H1B Visa petition </a:t>
-            </a:r>
+              <a:t>H1B Visa petition analysis helps us to know the Visa Approval/Rejection rate, Demand on Jobs, Highly paid salary on Jobs, Top recruiters &amp; Employee preferred city.</a:t>
+            </a:r>
+          </a:p>
+          <a:p>
             <a:r>
               <a:rPr lang="en-US" sz="2400" dirty="0" smtClean="0"/>
-              <a:t>analysis </a:t>
+              <a:t>From the overall Visa application received, </a:t>
+            </a:r>
+            <a:r>
+              <a:rPr lang="en-US" sz="2400" b="1" dirty="0" smtClean="0"/>
+              <a:t>97%</a:t>
             </a:r>
             <a:r>
               <a:rPr lang="en-US" sz="2400" dirty="0" smtClean="0"/>
-              <a:t>being conducted helps us to know the Demand on Jobs, Highly paid </a:t>
+              <a:t> of the Visas are applied for </a:t>
+            </a:r>
+            <a:r>
+              <a:rPr lang="en-US" sz="2400" b="1" dirty="0" smtClean="0"/>
+              <a:t>H1B</a:t>
             </a:r>
             <a:r>
               <a:rPr lang="en-US" sz="2400" dirty="0" smtClean="0"/>
-              <a:t>salary </a:t>
+              <a:t>. </a:t>
+            </a:r>
+            <a:r>
+              <a:rPr lang="en-US" sz="2400" b="1" dirty="0" smtClean="0"/>
+              <a:t>1%</a:t>
             </a:r>
             <a:r>
               <a:rPr lang="en-US" sz="2400" dirty="0" smtClean="0"/>
-              <a:t>on Jobs, </a:t>
+              <a:t> of the visa has been rejected in H1B category. Other visa type have no rejection.</a:t>
+            </a:r>
+          </a:p>
+          <a:p>
+            <a:r>
+              <a:rPr lang="en-US" sz="2400" b="1" dirty="0" smtClean="0"/>
+              <a:t>Top Recruiters</a:t>
             </a:r>
             <a:r>
               <a:rPr lang="en-US" sz="2400" dirty="0" smtClean="0"/>
-              <a:t>Employers </a:t>
+              <a:t>: Microsoft, CTS, PATNI, IBM, Infosys</a:t>
+            </a:r>
+          </a:p>
+          <a:p>
+            <a:r>
+              <a:rPr lang="en-US" sz="2400" b="1" dirty="0" smtClean="0"/>
+              <a:t>Top Jobs applied for visa</a:t>
             </a:r>
             <a:r>
               <a:rPr lang="en-US" sz="2400" dirty="0" smtClean="0"/>
-              <a:t>creation more opportunities &amp; Employee preferred city.</a:t>
-            </a:r>
-          </a:p>
-          <a:p>
+              <a:t>: Program Analyst, Software Engineer, Computer Programmer, System Analyst, Ass Professor</a:t>
+            </a:r>
+          </a:p>
+          <a:p>
+            <a:r>
+              <a:rPr lang="en-US" sz="2400" b="1" dirty="0" smtClean="0"/>
+              <a:t>Top Salaried Jobs</a:t>
+            </a:r>
             <a:r>
               <a:rPr lang="en-US" sz="2400" dirty="0" smtClean="0"/>
-              <a:t>Based on the </a:t>
-            </a:r>
+              <a:t> : System Analyst, Research Worker</a:t>
+            </a:r>
+          </a:p>
+          <a:p>
             <a:r>
               <a:rPr lang="en-US" sz="2400" dirty="0" smtClean="0"/>
-              <a:t>result, this </a:t>
-            </a:r>
+              <a:t>IT Industry is the top in Salary, Demand and recruiters as opposed to other industry.</a:t>
+            </a:r>
+          </a:p>
+          <a:p>
             <a:r>
               <a:rPr lang="en-US" sz="2400" dirty="0" smtClean="0"/>
-              <a:t>certainly helps the US </a:t>
-            </a:r>
-            <a:r>
-              <a:rPr lang="en-US" sz="2400" dirty="0" smtClean="0"/>
-              <a:t>Job workers </a:t>
-            </a:r>
-            <a:r>
-              <a:rPr lang="en-US" sz="2400" dirty="0" smtClean="0"/>
-              <a:t>to make a </a:t>
-            </a:r>
-            <a:r>
-              <a:rPr lang="en-US" sz="2400" dirty="0" smtClean="0"/>
-              <a:t>decision </a:t>
-            </a:r>
-            <a:r>
-              <a:rPr lang="en-US" sz="2400" dirty="0" smtClean="0"/>
-              <a:t>on the </a:t>
-            </a:r>
-            <a:r>
-              <a:rPr lang="en-US" sz="2400" dirty="0" smtClean="0"/>
-              <a:t>above data.</a:t>
-            </a:r>
-          </a:p>
-          <a:p>
-            <a:r>
-              <a:rPr lang="en-US" sz="2400" dirty="0" smtClean="0"/>
-              <a:t>IT Industry is the top in Salary, Demand and employers as opposed to other industry.</a:t>
-            </a:r>
-            <a:endParaRPr lang="en-US" sz="2400" dirty="0" smtClean="0"/>
-          </a:p>
-          <a:p>
+              <a:t>Based on the result, this certainly helps the US Job workers to make a decision on the above data.</a:t>
+            </a:r>
             <a:endParaRPr dirty="0"/>
           </a:p>
         </p:txBody>
